--- a/Documents/Task 3/Task 03 Design Thinking.pptx
+++ b/Documents/Task 3/Task 03 Design Thinking.pptx
@@ -18,8 +18,13 @@
     <p:sldId id="269" r:id="rId12"/>
     <p:sldId id="270" r:id="rId13"/>
     <p:sldId id="262" r:id="rId14"/>
-    <p:sldId id="263" r:id="rId15"/>
-    <p:sldId id="264" r:id="rId16"/>
+    <p:sldId id="275" r:id="rId15"/>
+    <p:sldId id="271" r:id="rId16"/>
+    <p:sldId id="272" r:id="rId17"/>
+    <p:sldId id="273" r:id="rId18"/>
+    <p:sldId id="274" r:id="rId19"/>
+    <p:sldId id="263" r:id="rId20"/>
+    <p:sldId id="264" r:id="rId21"/>
   </p:sldIdLst>
   <p:sldSz cx="9144000" cy="6858000" type="screen4x3"/>
   <p:notesSz cx="6858000" cy="9144000"/>
@@ -120,7 +125,7 @@
   </p:defaultTextStyle>
   <p:extLst>
     <p:ext uri="{EFAFB233-063F-42B5-8137-9DF3F51BA10A}">
-      <p15:sldGuideLst xmlns:p15="http://schemas.microsoft.com/office/powerpoint/2012/main">
+      <p15:sldGuideLst xmlns:p15="http://schemas.microsoft.com/office/powerpoint/2012/main" xmlns="">
         <p15:guide id="1" orient="horz" pos="2160">
           <p15:clr>
             <a:srgbClr val="A4A3A4"/>
@@ -4639,11 +4644,7 @@
           <a:p>
             <a:r>
               <a:rPr lang="de-CH" dirty="0" smtClean="0"/>
-              <a:t>Task </a:t>
-            </a:r>
-            <a:r>
-              <a:rPr lang="de-CH" dirty="0" smtClean="0"/>
-              <a:t>03 Design </a:t>
+              <a:t>Task 03 Design </a:t>
             </a:r>
             <a:r>
               <a:rPr lang="de-CH" dirty="0" err="1" smtClean="0"/>
@@ -4670,15 +4671,7 @@
           <a:p>
             <a:r>
               <a:rPr lang="de-CH" dirty="0" smtClean="0"/>
-              <a:t>Gruppe Schwarz, </a:t>
-            </a:r>
-            <a:r>
-              <a:rPr lang="de-CH" dirty="0" smtClean="0"/>
-              <a:t>15</a:t>
-            </a:r>
-            <a:r>
-              <a:rPr lang="de-CH" dirty="0" smtClean="0"/>
-              <a:t>.10.2015</a:t>
+              <a:t>Gruppe Schwarz, 15.10.2015</a:t>
             </a:r>
             <a:endParaRPr lang="de-CH" dirty="0"/>
           </a:p>
@@ -4931,7 +4924,19 @@
             <a:pPr lvl="2"/>
             <a:r>
               <a:rPr lang="de-CH" dirty="0"/>
-              <a:t>Margrit kann ein Medikamenten-Strichcode Photographien, woraufhin das Medikament ausgewählt wird.</a:t>
+              <a:t>Margrit kann ein Medikamenten-Strichcode </a:t>
+            </a:r>
+            <a:r>
+              <a:rPr lang="de-CH" dirty="0" smtClean="0"/>
+              <a:t>f</a:t>
+            </a:r>
+            <a:r>
+              <a:rPr lang="de-CH" dirty="0" smtClean="0"/>
+              <a:t>otografieren</a:t>
+            </a:r>
+            <a:r>
+              <a:rPr lang="de-CH" dirty="0"/>
+              <a:t>, woraufhin das Medikament ausgewählt wird.</a:t>
             </a:r>
           </a:p>
           <a:p>
@@ -5035,11 +5040,11 @@
               <a:t>Use Case „Medikament erfassen </a:t>
             </a:r>
             <a:r>
-              <a:rPr lang="de-CH" b="1" dirty="0" err="1"/>
-              <a:t>eMediPlan</a:t>
-            </a:r>
-            <a:r>
-              <a:rPr lang="de-CH" b="1" dirty="0"/>
+              <a:rPr lang="de-CH" b="1" dirty="0" smtClean="0"/>
+              <a:t>Foto</a:t>
+            </a:r>
+            <a:r>
+              <a:rPr lang="de-CH" b="1" dirty="0" smtClean="0"/>
               <a:t>“</a:t>
             </a:r>
             <a:endParaRPr lang="de-CH" dirty="0"/>
@@ -5056,15 +5061,15 @@
             </a:r>
             <a:r>
               <a:rPr lang="de-CH" dirty="0"/>
-              <a:t> einen </a:t>
-            </a:r>
-            <a:r>
-              <a:rPr lang="de-CH" dirty="0" err="1"/>
-              <a:t>eMediplan</a:t>
+              <a:t> </a:t>
+            </a:r>
+            <a:r>
+              <a:rPr lang="de-CH" dirty="0" smtClean="0"/>
+              <a:t>ein Medikament per Barcode erfassen</a:t>
             </a:r>
             <a:r>
               <a:rPr lang="de-CH" dirty="0"/>
-              <a:t> erfassen.</a:t>
+              <a:t>.</a:t>
             </a:r>
           </a:p>
           <a:p>
@@ -5202,12 +5207,139 @@
           <a:p>
             <a:r>
               <a:rPr lang="de-CH" dirty="0" smtClean="0"/>
-              <a:t>5. Prototype</a:t>
+              <a:t>5. </a:t>
+            </a:r>
+            <a:r>
+              <a:rPr lang="de-CH" dirty="0" smtClean="0"/>
+              <a:t>Prototype Anmeldung</a:t>
             </a:r>
             <a:endParaRPr lang="de-CH" dirty="0"/>
           </a:p>
         </p:txBody>
       </p:sp>
+      <p:pic>
+        <p:nvPicPr>
+          <p:cNvPr id="1026" name="Picture 2" descr="C:\Users\Marwin\Downloads\(A)Startseite.png"/>
+          <p:cNvPicPr>
+            <a:picLocks noChangeAspect="1" noChangeArrowheads="1"/>
+          </p:cNvPicPr>
+          <p:nvPr/>
+        </p:nvPicPr>
+        <p:blipFill>
+          <a:blip r:embed="rId2">
+            <a:extLst>
+              <a:ext uri="{28A0092B-C50C-407E-A947-70E740481C1C}">
+                <a14:useLocalDpi xmlns:a14="http://schemas.microsoft.com/office/drawing/2010/main" val="0"/>
+              </a:ext>
+            </a:extLst>
+          </a:blip>
+          <a:srcRect/>
+          <a:stretch>
+            <a:fillRect/>
+          </a:stretch>
+        </p:blipFill>
+        <p:spPr bwMode="auto">
+          <a:xfrm>
+            <a:off x="539552" y="1393994"/>
+            <a:ext cx="2463800" cy="4730750"/>
+          </a:xfrm>
+          <a:prstGeom prst="rect">
+            <a:avLst/>
+          </a:prstGeom>
+          <a:noFill/>
+          <a:extLst>
+            <a:ext uri="{909E8E84-426E-40DD-AFC4-6F175D3DCCD1}">
+              <a14:hiddenFill xmlns:a14="http://schemas.microsoft.com/office/drawing/2010/main">
+                <a:solidFill>
+                  <a:srgbClr val="FFFFFF"/>
+                </a:solidFill>
+              </a14:hiddenFill>
+            </a:ext>
+          </a:extLst>
+        </p:spPr>
+      </p:pic>
+      <p:pic>
+        <p:nvPicPr>
+          <p:cNvPr id="1027" name="Picture 3" descr="C:\Users\Marwin\Downloads\(B)Einloggenseite.png"/>
+          <p:cNvPicPr>
+            <a:picLocks noChangeAspect="1" noChangeArrowheads="1"/>
+          </p:cNvPicPr>
+          <p:nvPr/>
+        </p:nvPicPr>
+        <p:blipFill>
+          <a:blip r:embed="rId3">
+            <a:extLst>
+              <a:ext uri="{28A0092B-C50C-407E-A947-70E740481C1C}">
+                <a14:useLocalDpi xmlns:a14="http://schemas.microsoft.com/office/drawing/2010/main" val="0"/>
+              </a:ext>
+            </a:extLst>
+          </a:blip>
+          <a:srcRect/>
+          <a:stretch>
+            <a:fillRect/>
+          </a:stretch>
+        </p:blipFill>
+        <p:spPr bwMode="auto">
+          <a:xfrm>
+            <a:off x="3419872" y="1393994"/>
+            <a:ext cx="2463800" cy="4730750"/>
+          </a:xfrm>
+          <a:prstGeom prst="rect">
+            <a:avLst/>
+          </a:prstGeom>
+          <a:noFill/>
+          <a:extLst>
+            <a:ext uri="{909E8E84-426E-40DD-AFC4-6F175D3DCCD1}">
+              <a14:hiddenFill xmlns:a14="http://schemas.microsoft.com/office/drawing/2010/main">
+                <a:solidFill>
+                  <a:srgbClr val="FFFFFF"/>
+                </a:solidFill>
+              </a14:hiddenFill>
+            </a:ext>
+          </a:extLst>
+        </p:spPr>
+      </p:pic>
+      <p:pic>
+        <p:nvPicPr>
+          <p:cNvPr id="1028" name="Picture 4" descr="C:\Users\Marwin\Downloads\(B1)Fehlermeldung.png"/>
+          <p:cNvPicPr>
+            <a:picLocks noChangeAspect="1" noChangeArrowheads="1"/>
+          </p:cNvPicPr>
+          <p:nvPr/>
+        </p:nvPicPr>
+        <p:blipFill>
+          <a:blip r:embed="rId4">
+            <a:extLst>
+              <a:ext uri="{28A0092B-C50C-407E-A947-70E740481C1C}">
+                <a14:useLocalDpi xmlns:a14="http://schemas.microsoft.com/office/drawing/2010/main" val="0"/>
+              </a:ext>
+            </a:extLst>
+          </a:blip>
+          <a:srcRect/>
+          <a:stretch>
+            <a:fillRect/>
+          </a:stretch>
+        </p:blipFill>
+        <p:spPr bwMode="auto">
+          <a:xfrm>
+            <a:off x="6300192" y="1393994"/>
+            <a:ext cx="2463800" cy="4730750"/>
+          </a:xfrm>
+          <a:prstGeom prst="rect">
+            <a:avLst/>
+          </a:prstGeom>
+          <a:noFill/>
+          <a:extLst>
+            <a:ext uri="{909E8E84-426E-40DD-AFC4-6F175D3DCCD1}">
+              <a14:hiddenFill xmlns:a14="http://schemas.microsoft.com/office/drawing/2010/main">
+                <a:solidFill>
+                  <a:srgbClr val="FFFFFF"/>
+                </a:solidFill>
+              </a14:hiddenFill>
+            </a:ext>
+          </a:extLst>
+        </p:spPr>
+      </p:pic>
     </p:spTree>
     <p:extLst>
       <p:ext uri="{BB962C8B-B14F-4D97-AF65-F5344CB8AC3E}">
@@ -5281,20 +5413,61 @@
           <a:p>
             <a:r>
               <a:rPr lang="de-CH" dirty="0" smtClean="0"/>
-              <a:t>6. </a:t>
-            </a:r>
-            <a:r>
-              <a:rPr lang="de-CH" dirty="0" err="1" smtClean="0"/>
-              <a:t>Validate</a:t>
+              <a:t>5. </a:t>
+            </a:r>
+            <a:r>
+              <a:rPr lang="de-CH" dirty="0" smtClean="0"/>
+              <a:t>Prototype Hauptmenü</a:t>
             </a:r>
             <a:endParaRPr lang="de-CH" dirty="0"/>
           </a:p>
         </p:txBody>
       </p:sp>
+      <p:pic>
+        <p:nvPicPr>
+          <p:cNvPr id="6146" name="Picture 2" descr="C:\Users\Marwin\Downloads\(C)Menüseite.png"/>
+          <p:cNvPicPr>
+            <a:picLocks noChangeAspect="1" noChangeArrowheads="1"/>
+          </p:cNvPicPr>
+          <p:nvPr/>
+        </p:nvPicPr>
+        <p:blipFill>
+          <a:blip r:embed="rId2">
+            <a:extLst>
+              <a:ext uri="{28A0092B-C50C-407E-A947-70E740481C1C}">
+                <a14:useLocalDpi xmlns:a14="http://schemas.microsoft.com/office/drawing/2010/main" val="0"/>
+              </a:ext>
+            </a:extLst>
+          </a:blip>
+          <a:srcRect/>
+          <a:stretch>
+            <a:fillRect/>
+          </a:stretch>
+        </p:blipFill>
+        <p:spPr bwMode="auto">
+          <a:xfrm>
+            <a:off x="3131840" y="1412776"/>
+            <a:ext cx="2463800" cy="4730750"/>
+          </a:xfrm>
+          <a:prstGeom prst="rect">
+            <a:avLst/>
+          </a:prstGeom>
+          <a:noFill/>
+          <a:extLst>
+            <a:ext uri="{909E8E84-426E-40DD-AFC4-6F175D3DCCD1}">
+              <a14:hiddenFill xmlns:a14="http://schemas.microsoft.com/office/drawing/2010/main">
+                <a:solidFill>
+                  <a:srgbClr val="FFFFFF"/>
+                </a:solidFill>
+              </a14:hiddenFill>
+            </a:ext>
+          </a:extLst>
+        </p:spPr>
+      </p:pic>
     </p:spTree>
     <p:extLst>
       <p:ext uri="{BB962C8B-B14F-4D97-AF65-F5344CB8AC3E}">
-        <p14:creationId xmlns:p14="http://schemas.microsoft.com/office/powerpoint/2010/main" val="2389997881"/>
+        <p14:creationId xmlns:p14="http://schemas.microsoft.com/office/powerpoint/2010/main" val="3483456803"/>
       </p:ext>
     </p:extLst>
   </p:cSld>
@@ -5357,23 +5530,789 @@
             <p:ph type="title"/>
           </p:nvPr>
         </p:nvSpPr>
-        <p:spPr/>
-        <p:txBody>
-          <a:bodyPr/>
+        <p:spPr>
+          <a:xfrm>
+            <a:off x="0" y="274638"/>
+            <a:ext cx="9036496" cy="1143000"/>
+          </a:xfrm>
+        </p:spPr>
+        <p:txBody>
+          <a:bodyPr>
+            <a:normAutofit fontScale="90000"/>
+          </a:bodyPr>
           <a:lstStyle/>
           <a:p>
             <a:r>
               <a:rPr lang="de-CH" dirty="0" smtClean="0"/>
-              <a:t>Anhang</a:t>
+              <a:t>5. </a:t>
+            </a:r>
+            <a:r>
+              <a:rPr lang="de-CH" dirty="0" smtClean="0"/>
+              <a:t>Prototype Medikamente rückmelden</a:t>
             </a:r>
             <a:endParaRPr lang="de-CH" dirty="0"/>
           </a:p>
         </p:txBody>
       </p:sp>
+      <p:pic>
+        <p:nvPicPr>
+          <p:cNvPr id="2051" name="Picture 3" descr="C:\Users\Marwin\Downloads\Medikamente von Heute v1 (2).png"/>
+          <p:cNvPicPr>
+            <a:picLocks noChangeAspect="1" noChangeArrowheads="1"/>
+          </p:cNvPicPr>
+          <p:nvPr/>
+        </p:nvPicPr>
+        <p:blipFill>
+          <a:blip r:embed="rId2">
+            <a:extLst>
+              <a:ext uri="{28A0092B-C50C-407E-A947-70E740481C1C}">
+                <a14:useLocalDpi xmlns:a14="http://schemas.microsoft.com/office/drawing/2010/main" val="0"/>
+              </a:ext>
+            </a:extLst>
+          </a:blip>
+          <a:srcRect/>
+          <a:stretch>
+            <a:fillRect/>
+          </a:stretch>
+        </p:blipFill>
+        <p:spPr bwMode="auto">
+          <a:xfrm>
+            <a:off x="323528" y="1340768"/>
+            <a:ext cx="2504435" cy="4808774"/>
+          </a:xfrm>
+          <a:prstGeom prst="rect">
+            <a:avLst/>
+          </a:prstGeom>
+          <a:noFill/>
+          <a:extLst>
+            <a:ext uri="{909E8E84-426E-40DD-AFC4-6F175D3DCCD1}">
+              <a14:hiddenFill xmlns:a14="http://schemas.microsoft.com/office/drawing/2010/main">
+                <a:solidFill>
+                  <a:srgbClr val="FFFFFF"/>
+                </a:solidFill>
+              </a14:hiddenFill>
+            </a:ext>
+          </a:extLst>
+        </p:spPr>
+      </p:pic>
+      <p:pic>
+        <p:nvPicPr>
+          <p:cNvPr id="2052" name="Picture 4" descr="C:\Users\Marwin\Downloads\Medikamente von Heute v1 - Auswa.png"/>
+          <p:cNvPicPr>
+            <a:picLocks noChangeAspect="1" noChangeArrowheads="1"/>
+          </p:cNvPicPr>
+          <p:nvPr/>
+        </p:nvPicPr>
+        <p:blipFill>
+          <a:blip r:embed="rId3">
+            <a:extLst>
+              <a:ext uri="{28A0092B-C50C-407E-A947-70E740481C1C}">
+                <a14:useLocalDpi xmlns:a14="http://schemas.microsoft.com/office/drawing/2010/main" val="0"/>
+              </a:ext>
+            </a:extLst>
+          </a:blip>
+          <a:srcRect/>
+          <a:stretch>
+            <a:fillRect/>
+          </a:stretch>
+        </p:blipFill>
+        <p:spPr bwMode="auto">
+          <a:xfrm>
+            <a:off x="3275856" y="1340767"/>
+            <a:ext cx="2504435" cy="4808774"/>
+          </a:xfrm>
+          <a:prstGeom prst="rect">
+            <a:avLst/>
+          </a:prstGeom>
+          <a:noFill/>
+          <a:extLst>
+            <a:ext uri="{909E8E84-426E-40DD-AFC4-6F175D3DCCD1}">
+              <a14:hiddenFill xmlns:a14="http://schemas.microsoft.com/office/drawing/2010/main">
+                <a:solidFill>
+                  <a:srgbClr val="FFFFFF"/>
+                </a:solidFill>
+              </a14:hiddenFill>
+            </a:ext>
+          </a:extLst>
+        </p:spPr>
+      </p:pic>
+      <p:pic>
+        <p:nvPicPr>
+          <p:cNvPr id="7" name="Picture 2" descr="C:\Users\Marwin\Downloads\Medikamente von Heute v2.png"/>
+          <p:cNvPicPr>
+            <a:picLocks noChangeAspect="1" noChangeArrowheads="1"/>
+          </p:cNvPicPr>
+          <p:nvPr/>
+        </p:nvPicPr>
+        <p:blipFill rotWithShape="1">
+          <a:blip r:embed="rId4">
+            <a:extLst>
+              <a:ext uri="{28A0092B-C50C-407E-A947-70E740481C1C}">
+                <a14:useLocalDpi xmlns:a14="http://schemas.microsoft.com/office/drawing/2010/main" val="0"/>
+              </a:ext>
+            </a:extLst>
+          </a:blip>
+          <a:srcRect r="53625"/>
+          <a:stretch/>
+        </p:blipFill>
+        <p:spPr bwMode="auto">
+          <a:xfrm>
+            <a:off x="6300192" y="1340768"/>
+            <a:ext cx="2520448" cy="4808773"/>
+          </a:xfrm>
+          <a:prstGeom prst="rect">
+            <a:avLst/>
+          </a:prstGeom>
+          <a:noFill/>
+          <a:extLst>
+            <a:ext uri="{909E8E84-426E-40DD-AFC4-6F175D3DCCD1}">
+              <a14:hiddenFill xmlns:a14="http://schemas.microsoft.com/office/drawing/2010/main">
+                <a:solidFill>
+                  <a:srgbClr val="FFFFFF"/>
+                </a:solidFill>
+              </a14:hiddenFill>
+            </a:ext>
+          </a:extLst>
+        </p:spPr>
+      </p:pic>
     </p:spTree>
     <p:extLst>
       <p:ext uri="{BB962C8B-B14F-4D97-AF65-F5344CB8AC3E}">
-        <p14:creationId xmlns:p14="http://schemas.microsoft.com/office/powerpoint/2010/main" val="1617171743"/>
+        <p14:creationId xmlns:p14="http://schemas.microsoft.com/office/powerpoint/2010/main" val="792811985"/>
+      </p:ext>
+    </p:extLst>
+  </p:cSld>
+  <p:clrMapOvr>
+    <a:masterClrMapping/>
+  </p:clrMapOvr>
+  <p:timing>
+    <p:tnLst>
+      <p:par>
+        <p:cTn id="1" dur="indefinite" restart="never" nodeType="tmRoot"/>
+      </p:par>
+    </p:tnLst>
+  </p:timing>
+</p:sld>
+</file>
+
+<file path=ppt/slides/slide16.xml><?xml version="1.0" encoding="utf-8"?>
+<p:sld xmlns:a="http://schemas.openxmlformats.org/drawingml/2006/main" xmlns:r="http://schemas.openxmlformats.org/officeDocument/2006/relationships" xmlns:p="http://schemas.openxmlformats.org/presentationml/2006/main">
+  <p:cSld>
+    <p:spTree>
+      <p:nvGrpSpPr>
+        <p:cNvPr id="1" name=""/>
+        <p:cNvGrpSpPr/>
+        <p:nvPr/>
+      </p:nvGrpSpPr>
+      <p:grpSpPr>
+        <a:xfrm>
+          <a:off x="0" y="0"/>
+          <a:ext cx="0" cy="0"/>
+          <a:chOff x="0" y="0"/>
+          <a:chExt cx="0" cy="0"/>
+        </a:xfrm>
+      </p:grpSpPr>
+      <p:sp>
+        <p:nvSpPr>
+          <p:cNvPr id="2" name="Inhaltsplatzhalter 1"/>
+          <p:cNvSpPr>
+            <a:spLocks noGrp="1"/>
+          </p:cNvSpPr>
+          <p:nvPr>
+            <p:ph idx="1"/>
+          </p:nvPr>
+        </p:nvSpPr>
+        <p:spPr/>
+        <p:txBody>
+          <a:bodyPr/>
+          <a:lstStyle/>
+          <a:p>
+            <a:endParaRPr lang="de-CH" dirty="0" smtClean="0"/>
+          </a:p>
+        </p:txBody>
+      </p:sp>
+      <p:sp>
+        <p:nvSpPr>
+          <p:cNvPr id="3" name="Titel 2"/>
+          <p:cNvSpPr>
+            <a:spLocks noGrp="1"/>
+          </p:cNvSpPr>
+          <p:nvPr>
+            <p:ph type="title"/>
+          </p:nvPr>
+        </p:nvSpPr>
+        <p:spPr>
+          <a:xfrm>
+            <a:off x="457200" y="274638"/>
+            <a:ext cx="8435280" cy="1143000"/>
+          </a:xfrm>
+        </p:spPr>
+        <p:txBody>
+          <a:bodyPr>
+            <a:normAutofit fontScale="90000"/>
+          </a:bodyPr>
+          <a:lstStyle/>
+          <a:p>
+            <a:r>
+              <a:rPr lang="de-CH" dirty="0" smtClean="0"/>
+              <a:t>5. </a:t>
+            </a:r>
+            <a:r>
+              <a:rPr lang="de-CH" dirty="0" smtClean="0"/>
+              <a:t>Prototype Medikamente erfassen</a:t>
+            </a:r>
+            <a:endParaRPr lang="de-CH" dirty="0"/>
+          </a:p>
+        </p:txBody>
+      </p:sp>
+      <p:pic>
+        <p:nvPicPr>
+          <p:cNvPr id="3074" name="Picture 2" descr="C:\Users\Marwin\Downloads\Erfassen_Übersicht.png"/>
+          <p:cNvPicPr>
+            <a:picLocks noChangeAspect="1" noChangeArrowheads="1"/>
+          </p:cNvPicPr>
+          <p:nvPr/>
+        </p:nvPicPr>
+        <p:blipFill>
+          <a:blip r:embed="rId2">
+            <a:extLst>
+              <a:ext uri="{28A0092B-C50C-407E-A947-70E740481C1C}">
+                <a14:useLocalDpi xmlns:a14="http://schemas.microsoft.com/office/drawing/2010/main" val="0"/>
+              </a:ext>
+            </a:extLst>
+          </a:blip>
+          <a:srcRect/>
+          <a:stretch>
+            <a:fillRect/>
+          </a:stretch>
+        </p:blipFill>
+        <p:spPr bwMode="auto">
+          <a:xfrm>
+            <a:off x="3347864" y="1196752"/>
+            <a:ext cx="2893103" cy="5555057"/>
+          </a:xfrm>
+          <a:prstGeom prst="rect">
+            <a:avLst/>
+          </a:prstGeom>
+          <a:noFill/>
+          <a:extLst>
+            <a:ext uri="{909E8E84-426E-40DD-AFC4-6F175D3DCCD1}">
+              <a14:hiddenFill xmlns:a14="http://schemas.microsoft.com/office/drawing/2010/main">
+                <a:solidFill>
+                  <a:srgbClr val="FFFFFF"/>
+                </a:solidFill>
+              </a14:hiddenFill>
+            </a:ext>
+          </a:extLst>
+        </p:spPr>
+      </p:pic>
+    </p:spTree>
+    <p:extLst>
+      <p:ext uri="{BB962C8B-B14F-4D97-AF65-F5344CB8AC3E}">
+        <p14:creationId xmlns:p14="http://schemas.microsoft.com/office/powerpoint/2010/main" val="792811985"/>
+      </p:ext>
+    </p:extLst>
+  </p:cSld>
+  <p:clrMapOvr>
+    <a:masterClrMapping/>
+  </p:clrMapOvr>
+  <p:timing>
+    <p:tnLst>
+      <p:par>
+        <p:cTn id="1" dur="indefinite" restart="never" nodeType="tmRoot"/>
+      </p:par>
+    </p:tnLst>
+  </p:timing>
+</p:sld>
+</file>
+
+<file path=ppt/slides/slide17.xml><?xml version="1.0" encoding="utf-8"?>
+<p:sld xmlns:a="http://schemas.openxmlformats.org/drawingml/2006/main" xmlns:r="http://schemas.openxmlformats.org/officeDocument/2006/relationships" xmlns:p="http://schemas.openxmlformats.org/presentationml/2006/main">
+  <p:cSld>
+    <p:spTree>
+      <p:nvGrpSpPr>
+        <p:cNvPr id="1" name=""/>
+        <p:cNvGrpSpPr/>
+        <p:nvPr/>
+      </p:nvGrpSpPr>
+      <p:grpSpPr>
+        <a:xfrm>
+          <a:off x="0" y="0"/>
+          <a:ext cx="0" cy="0"/>
+          <a:chOff x="0" y="0"/>
+          <a:chExt cx="0" cy="0"/>
+        </a:xfrm>
+      </p:grpSpPr>
+      <p:sp>
+        <p:nvSpPr>
+          <p:cNvPr id="2" name="Inhaltsplatzhalter 1"/>
+          <p:cNvSpPr>
+            <a:spLocks noGrp="1"/>
+          </p:cNvSpPr>
+          <p:nvPr>
+            <p:ph idx="1"/>
+          </p:nvPr>
+        </p:nvSpPr>
+        <p:spPr/>
+        <p:txBody>
+          <a:bodyPr/>
+          <a:lstStyle/>
+          <a:p>
+            <a:endParaRPr lang="de-CH" dirty="0" smtClean="0"/>
+          </a:p>
+        </p:txBody>
+      </p:sp>
+      <p:pic>
+        <p:nvPicPr>
+          <p:cNvPr id="4098" name="Picture 2" descr="C:\Users\Marwin\Downloads\Erfassen_Kamera.png"/>
+          <p:cNvPicPr>
+            <a:picLocks noChangeAspect="1" noChangeArrowheads="1"/>
+          </p:cNvPicPr>
+          <p:nvPr/>
+        </p:nvPicPr>
+        <p:blipFill>
+          <a:blip r:embed="rId2">
+            <a:extLst>
+              <a:ext uri="{28A0092B-C50C-407E-A947-70E740481C1C}">
+                <a14:useLocalDpi xmlns:a14="http://schemas.microsoft.com/office/drawing/2010/main" val="0"/>
+              </a:ext>
+            </a:extLst>
+          </a:blip>
+          <a:srcRect/>
+          <a:stretch>
+            <a:fillRect/>
+          </a:stretch>
+        </p:blipFill>
+        <p:spPr bwMode="auto">
+          <a:xfrm>
+            <a:off x="827584" y="1412776"/>
+            <a:ext cx="2463800" cy="4730750"/>
+          </a:xfrm>
+          <a:prstGeom prst="rect">
+            <a:avLst/>
+          </a:prstGeom>
+          <a:noFill/>
+          <a:extLst>
+            <a:ext uri="{909E8E84-426E-40DD-AFC4-6F175D3DCCD1}">
+              <a14:hiddenFill xmlns:a14="http://schemas.microsoft.com/office/drawing/2010/main">
+                <a:solidFill>
+                  <a:srgbClr val="FFFFFF"/>
+                </a:solidFill>
+              </a14:hiddenFill>
+            </a:ext>
+          </a:extLst>
+        </p:spPr>
+      </p:pic>
+      <p:pic>
+        <p:nvPicPr>
+          <p:cNvPr id="4100" name="Picture 4" descr="C:\Users\Marwin\Downloads\Erfassen_Manuell1.png"/>
+          <p:cNvPicPr>
+            <a:picLocks noChangeAspect="1" noChangeArrowheads="1"/>
+          </p:cNvPicPr>
+          <p:nvPr/>
+        </p:nvPicPr>
+        <p:blipFill>
+          <a:blip r:embed="rId3">
+            <a:extLst>
+              <a:ext uri="{28A0092B-C50C-407E-A947-70E740481C1C}">
+                <a14:useLocalDpi xmlns:a14="http://schemas.microsoft.com/office/drawing/2010/main" val="0"/>
+              </a:ext>
+            </a:extLst>
+          </a:blip>
+          <a:srcRect/>
+          <a:stretch>
+            <a:fillRect/>
+          </a:stretch>
+        </p:blipFill>
+        <p:spPr bwMode="auto">
+          <a:xfrm>
+            <a:off x="3478213" y="1422037"/>
+            <a:ext cx="2463800" cy="4730750"/>
+          </a:xfrm>
+          <a:prstGeom prst="rect">
+            <a:avLst/>
+          </a:prstGeom>
+          <a:noFill/>
+          <a:extLst>
+            <a:ext uri="{909E8E84-426E-40DD-AFC4-6F175D3DCCD1}">
+              <a14:hiddenFill xmlns:a14="http://schemas.microsoft.com/office/drawing/2010/main">
+                <a:solidFill>
+                  <a:srgbClr val="FFFFFF"/>
+                </a:solidFill>
+              </a14:hiddenFill>
+            </a:ext>
+          </a:extLst>
+        </p:spPr>
+      </p:pic>
+      <p:pic>
+        <p:nvPicPr>
+          <p:cNvPr id="4101" name="Picture 5" descr="C:\Users\Marwin\Downloads\Erfassen_Manuell2.png"/>
+          <p:cNvPicPr>
+            <a:picLocks noChangeAspect="1" noChangeArrowheads="1"/>
+          </p:cNvPicPr>
+          <p:nvPr/>
+        </p:nvPicPr>
+        <p:blipFill>
+          <a:blip r:embed="rId4">
+            <a:extLst>
+              <a:ext uri="{28A0092B-C50C-407E-A947-70E740481C1C}">
+                <a14:useLocalDpi xmlns:a14="http://schemas.microsoft.com/office/drawing/2010/main" val="0"/>
+              </a:ext>
+            </a:extLst>
+          </a:blip>
+          <a:srcRect/>
+          <a:stretch>
+            <a:fillRect/>
+          </a:stretch>
+        </p:blipFill>
+        <p:spPr bwMode="auto">
+          <a:xfrm>
+            <a:off x="6084168" y="1422037"/>
+            <a:ext cx="2463800" cy="4730750"/>
+          </a:xfrm>
+          <a:prstGeom prst="rect">
+            <a:avLst/>
+          </a:prstGeom>
+          <a:noFill/>
+          <a:extLst>
+            <a:ext uri="{909E8E84-426E-40DD-AFC4-6F175D3DCCD1}">
+              <a14:hiddenFill xmlns:a14="http://schemas.microsoft.com/office/drawing/2010/main">
+                <a:solidFill>
+                  <a:srgbClr val="FFFFFF"/>
+                </a:solidFill>
+              </a14:hiddenFill>
+            </a:ext>
+          </a:extLst>
+        </p:spPr>
+      </p:pic>
+      <p:sp>
+        <p:nvSpPr>
+          <p:cNvPr id="11" name="Titel 2"/>
+          <p:cNvSpPr>
+            <a:spLocks noGrp="1"/>
+          </p:cNvSpPr>
+          <p:nvPr>
+            <p:ph type="title"/>
+          </p:nvPr>
+        </p:nvSpPr>
+        <p:spPr>
+          <a:xfrm>
+            <a:off x="457200" y="274638"/>
+            <a:ext cx="8435280" cy="1143000"/>
+          </a:xfrm>
+        </p:spPr>
+        <p:txBody>
+          <a:bodyPr>
+            <a:normAutofit fontScale="90000"/>
+          </a:bodyPr>
+          <a:lstStyle/>
+          <a:p>
+            <a:r>
+              <a:rPr lang="de-CH" dirty="0" smtClean="0"/>
+              <a:t>5. </a:t>
+            </a:r>
+            <a:r>
+              <a:rPr lang="de-CH" dirty="0" smtClean="0"/>
+              <a:t>Prototype Medikamente erfassen</a:t>
+            </a:r>
+            <a:endParaRPr lang="de-CH" dirty="0"/>
+          </a:p>
+        </p:txBody>
+      </p:sp>
+    </p:spTree>
+    <p:extLst>
+      <p:ext uri="{BB962C8B-B14F-4D97-AF65-F5344CB8AC3E}">
+        <p14:creationId xmlns:p14="http://schemas.microsoft.com/office/powerpoint/2010/main" val="792811985"/>
+      </p:ext>
+    </p:extLst>
+  </p:cSld>
+  <p:clrMapOvr>
+    <a:masterClrMapping/>
+  </p:clrMapOvr>
+  <p:timing>
+    <p:tnLst>
+      <p:par>
+        <p:cTn id="1" dur="indefinite" restart="never" nodeType="tmRoot"/>
+      </p:par>
+    </p:tnLst>
+  </p:timing>
+</p:sld>
+</file>
+
+<file path=ppt/slides/slide18.xml><?xml version="1.0" encoding="utf-8"?>
+<p:sld xmlns:a="http://schemas.openxmlformats.org/drawingml/2006/main" xmlns:r="http://schemas.openxmlformats.org/officeDocument/2006/relationships" xmlns:p="http://schemas.openxmlformats.org/presentationml/2006/main">
+  <p:cSld>
+    <p:spTree>
+      <p:nvGrpSpPr>
+        <p:cNvPr id="1" name=""/>
+        <p:cNvGrpSpPr/>
+        <p:nvPr/>
+      </p:nvGrpSpPr>
+      <p:grpSpPr>
+        <a:xfrm>
+          <a:off x="0" y="0"/>
+          <a:ext cx="0" cy="0"/>
+          <a:chOff x="0" y="0"/>
+          <a:chExt cx="0" cy="0"/>
+        </a:xfrm>
+      </p:grpSpPr>
+      <p:sp>
+        <p:nvSpPr>
+          <p:cNvPr id="2" name="Inhaltsplatzhalter 1"/>
+          <p:cNvSpPr>
+            <a:spLocks noGrp="1"/>
+          </p:cNvSpPr>
+          <p:nvPr>
+            <p:ph idx="1"/>
+          </p:nvPr>
+        </p:nvSpPr>
+        <p:spPr/>
+        <p:txBody>
+          <a:bodyPr/>
+          <a:lstStyle/>
+          <a:p>
+            <a:endParaRPr lang="de-CH" dirty="0" smtClean="0"/>
+          </a:p>
+        </p:txBody>
+      </p:sp>
+      <p:pic>
+        <p:nvPicPr>
+          <p:cNvPr id="7" name="Picture 2" descr="C:\Users\Marwin\Downloads\Erfassen_Dosierung.png"/>
+          <p:cNvPicPr>
+            <a:picLocks noChangeAspect="1" noChangeArrowheads="1"/>
+          </p:cNvPicPr>
+          <p:nvPr/>
+        </p:nvPicPr>
+        <p:blipFill>
+          <a:blip r:embed="rId2">
+            <a:extLst>
+              <a:ext uri="{28A0092B-C50C-407E-A947-70E740481C1C}">
+                <a14:useLocalDpi xmlns:a14="http://schemas.microsoft.com/office/drawing/2010/main" val="0"/>
+              </a:ext>
+            </a:extLst>
+          </a:blip>
+          <a:srcRect/>
+          <a:stretch>
+            <a:fillRect/>
+          </a:stretch>
+        </p:blipFill>
+        <p:spPr bwMode="auto">
+          <a:xfrm>
+            <a:off x="899592" y="1311121"/>
+            <a:ext cx="2463800" cy="4730750"/>
+          </a:xfrm>
+          <a:prstGeom prst="rect">
+            <a:avLst/>
+          </a:prstGeom>
+          <a:noFill/>
+          <a:extLst>
+            <a:ext uri="{909E8E84-426E-40DD-AFC4-6F175D3DCCD1}">
+              <a14:hiddenFill xmlns:a14="http://schemas.microsoft.com/office/drawing/2010/main">
+                <a:solidFill>
+                  <a:srgbClr val="FFFFFF"/>
+                </a:solidFill>
+              </a14:hiddenFill>
+            </a:ext>
+          </a:extLst>
+        </p:spPr>
+      </p:pic>
+      <p:pic>
+        <p:nvPicPr>
+          <p:cNvPr id="8" name="Picture 3" descr="C:\Users\Marwin\Downloads\Erfassen_Zeiten.png"/>
+          <p:cNvPicPr>
+            <a:picLocks noChangeAspect="1" noChangeArrowheads="1"/>
+          </p:cNvPicPr>
+          <p:nvPr/>
+        </p:nvPicPr>
+        <p:blipFill>
+          <a:blip r:embed="rId3">
+            <a:extLst>
+              <a:ext uri="{28A0092B-C50C-407E-A947-70E740481C1C}">
+                <a14:useLocalDpi xmlns:a14="http://schemas.microsoft.com/office/drawing/2010/main" val="0"/>
+              </a:ext>
+            </a:extLst>
+          </a:blip>
+          <a:srcRect/>
+          <a:stretch>
+            <a:fillRect/>
+          </a:stretch>
+        </p:blipFill>
+        <p:spPr bwMode="auto">
+          <a:xfrm>
+            <a:off x="5652120" y="1311121"/>
+            <a:ext cx="2463800" cy="4730750"/>
+          </a:xfrm>
+          <a:prstGeom prst="rect">
+            <a:avLst/>
+          </a:prstGeom>
+          <a:noFill/>
+          <a:extLst>
+            <a:ext uri="{909E8E84-426E-40DD-AFC4-6F175D3DCCD1}">
+              <a14:hiddenFill xmlns:a14="http://schemas.microsoft.com/office/drawing/2010/main">
+                <a:solidFill>
+                  <a:srgbClr val="FFFFFF"/>
+                </a:solidFill>
+              </a14:hiddenFill>
+            </a:ext>
+          </a:extLst>
+        </p:spPr>
+      </p:pic>
+      <p:sp>
+        <p:nvSpPr>
+          <p:cNvPr id="11" name="Titel 2"/>
+          <p:cNvSpPr>
+            <a:spLocks noGrp="1"/>
+          </p:cNvSpPr>
+          <p:nvPr>
+            <p:ph type="title"/>
+          </p:nvPr>
+        </p:nvSpPr>
+        <p:spPr>
+          <a:xfrm>
+            <a:off x="457200" y="274638"/>
+            <a:ext cx="8363272" cy="1143000"/>
+          </a:xfrm>
+        </p:spPr>
+        <p:txBody>
+          <a:bodyPr>
+            <a:normAutofit fontScale="90000"/>
+          </a:bodyPr>
+          <a:lstStyle/>
+          <a:p>
+            <a:r>
+              <a:rPr lang="de-CH" dirty="0" smtClean="0"/>
+              <a:t>5. </a:t>
+            </a:r>
+            <a:r>
+              <a:rPr lang="de-CH" dirty="0" smtClean="0"/>
+              <a:t>Prototype Medikamente erfassen</a:t>
+            </a:r>
+            <a:endParaRPr lang="de-CH" dirty="0"/>
+          </a:p>
+        </p:txBody>
+      </p:sp>
+    </p:spTree>
+    <p:extLst>
+      <p:ext uri="{BB962C8B-B14F-4D97-AF65-F5344CB8AC3E}">
+        <p14:creationId xmlns:p14="http://schemas.microsoft.com/office/powerpoint/2010/main" val="2310136665"/>
+      </p:ext>
+    </p:extLst>
+  </p:cSld>
+  <p:clrMapOvr>
+    <a:masterClrMapping/>
+  </p:clrMapOvr>
+  <p:timing>
+    <p:tnLst>
+      <p:par>
+        <p:cTn id="1" dur="indefinite" restart="never" nodeType="tmRoot"/>
+      </p:par>
+    </p:tnLst>
+  </p:timing>
+</p:sld>
+</file>
+
+<file path=ppt/slides/slide19.xml><?xml version="1.0" encoding="utf-8"?>
+<p:sld xmlns:a="http://schemas.openxmlformats.org/drawingml/2006/main" xmlns:r="http://schemas.openxmlformats.org/officeDocument/2006/relationships" xmlns:p="http://schemas.openxmlformats.org/presentationml/2006/main">
+  <p:cSld>
+    <p:spTree>
+      <p:nvGrpSpPr>
+        <p:cNvPr id="1" name=""/>
+        <p:cNvGrpSpPr/>
+        <p:nvPr/>
+      </p:nvGrpSpPr>
+      <p:grpSpPr>
+        <a:xfrm>
+          <a:off x="0" y="0"/>
+          <a:ext cx="0" cy="0"/>
+          <a:chOff x="0" y="0"/>
+          <a:chExt cx="0" cy="0"/>
+        </a:xfrm>
+      </p:grpSpPr>
+      <p:sp>
+        <p:nvSpPr>
+          <p:cNvPr id="2" name="Inhaltsplatzhalter 1"/>
+          <p:cNvSpPr>
+            <a:spLocks noGrp="1"/>
+          </p:cNvSpPr>
+          <p:nvPr>
+            <p:ph idx="1"/>
+          </p:nvPr>
+        </p:nvSpPr>
+        <p:spPr/>
+        <p:txBody>
+          <a:bodyPr/>
+          <a:lstStyle/>
+          <a:p>
+            <a:r>
+              <a:rPr lang="de-CH" dirty="0" err="1" smtClean="0"/>
+              <a:t>Mockups</a:t>
+            </a:r>
+            <a:r>
+              <a:rPr lang="de-CH" dirty="0" smtClean="0"/>
+              <a:t> zwei Personen gezeigt</a:t>
+            </a:r>
+          </a:p>
+          <a:p>
+            <a:r>
+              <a:rPr lang="de-CH" dirty="0" smtClean="0"/>
+              <a:t>Feedback:</a:t>
+            </a:r>
+          </a:p>
+          <a:p>
+            <a:pPr lvl="1"/>
+            <a:r>
+              <a:rPr lang="de-CH" dirty="0" smtClean="0"/>
+              <a:t>Klarere Trennung der Medikamente</a:t>
+            </a:r>
+          </a:p>
+          <a:p>
+            <a:pPr lvl="1"/>
+            <a:r>
+              <a:rPr lang="de-CH" dirty="0" smtClean="0"/>
+              <a:t>X-x-x-x durch Mo-Mi-Ab-Na ersetzen</a:t>
+            </a:r>
+          </a:p>
+          <a:p>
+            <a:pPr lvl="1"/>
+            <a:r>
+              <a:rPr lang="de-CH" dirty="0" smtClean="0"/>
+              <a:t>Rückmelde-Knopf fällt zu wenig auf</a:t>
+            </a:r>
+            <a:endParaRPr lang="de-CH" dirty="0" smtClean="0"/>
+          </a:p>
+        </p:txBody>
+      </p:sp>
+      <p:sp>
+        <p:nvSpPr>
+          <p:cNvPr id="3" name="Titel 2"/>
+          <p:cNvSpPr>
+            <a:spLocks noGrp="1"/>
+          </p:cNvSpPr>
+          <p:nvPr>
+            <p:ph type="title"/>
+          </p:nvPr>
+        </p:nvSpPr>
+        <p:spPr/>
+        <p:txBody>
+          <a:bodyPr/>
+          <a:lstStyle/>
+          <a:p>
+            <a:r>
+              <a:rPr lang="de-CH" dirty="0" smtClean="0"/>
+              <a:t>6. </a:t>
+            </a:r>
+            <a:r>
+              <a:rPr lang="de-CH" dirty="0" err="1" smtClean="0"/>
+              <a:t>Validate</a:t>
+            </a:r>
+            <a:endParaRPr lang="de-CH" dirty="0"/>
+          </a:p>
+        </p:txBody>
+      </p:sp>
+    </p:spTree>
+    <p:extLst>
+      <p:ext uri="{BB962C8B-B14F-4D97-AF65-F5344CB8AC3E}">
+        <p14:creationId xmlns:p14="http://schemas.microsoft.com/office/powerpoint/2010/main" val="2389997881"/>
       </p:ext>
     </p:extLst>
   </p:cSld>
@@ -5445,7 +6384,7 @@
             </a:r>
             <a:r>
               <a:rPr lang="de-CH" dirty="0" err="1" smtClean="0"/>
-              <a:t>Synthezise</a:t>
+              <a:t>Synthesize</a:t>
             </a:r>
             <a:endParaRPr lang="de-CH" dirty="0" smtClean="0"/>
           </a:p>
@@ -5523,6 +6462,97 @@
     <p:extLst>
       <p:ext uri="{BB962C8B-B14F-4D97-AF65-F5344CB8AC3E}">
         <p14:creationId xmlns:p14="http://schemas.microsoft.com/office/powerpoint/2010/main" val="1480510194"/>
+      </p:ext>
+    </p:extLst>
+  </p:cSld>
+  <p:clrMapOvr>
+    <a:masterClrMapping/>
+  </p:clrMapOvr>
+  <p:timing>
+    <p:tnLst>
+      <p:par>
+        <p:cTn id="1" dur="indefinite" restart="never" nodeType="tmRoot"/>
+      </p:par>
+    </p:tnLst>
+  </p:timing>
+</p:sld>
+</file>
+
+<file path=ppt/slides/slide20.xml><?xml version="1.0" encoding="utf-8"?>
+<p:sld xmlns:a="http://schemas.openxmlformats.org/drawingml/2006/main" xmlns:r="http://schemas.openxmlformats.org/officeDocument/2006/relationships" xmlns:p="http://schemas.openxmlformats.org/presentationml/2006/main">
+  <p:cSld>
+    <p:spTree>
+      <p:nvGrpSpPr>
+        <p:cNvPr id="1" name=""/>
+        <p:cNvGrpSpPr/>
+        <p:nvPr/>
+      </p:nvGrpSpPr>
+      <p:grpSpPr>
+        <a:xfrm>
+          <a:off x="0" y="0"/>
+          <a:ext cx="0" cy="0"/>
+          <a:chOff x="0" y="0"/>
+          <a:chExt cx="0" cy="0"/>
+        </a:xfrm>
+      </p:grpSpPr>
+      <p:sp>
+        <p:nvSpPr>
+          <p:cNvPr id="2" name="Inhaltsplatzhalter 1"/>
+          <p:cNvSpPr>
+            <a:spLocks noGrp="1"/>
+          </p:cNvSpPr>
+          <p:nvPr>
+            <p:ph idx="1"/>
+          </p:nvPr>
+        </p:nvSpPr>
+        <p:spPr/>
+        <p:txBody>
+          <a:bodyPr/>
+          <a:lstStyle/>
+          <a:p>
+            <a:r>
+              <a:rPr lang="de-CH" dirty="0" smtClean="0"/>
+              <a:t>Alle auf </a:t>
+            </a:r>
+            <a:r>
+              <a:rPr lang="de-CH" dirty="0" err="1" smtClean="0"/>
+              <a:t>GitHub</a:t>
+            </a:r>
+            <a:r>
+              <a:rPr lang="de-CH" dirty="0" smtClean="0"/>
+              <a:t> Gruppe Schwarz im Ordner Task 3 aufgeführten Dokumente</a:t>
+            </a:r>
+            <a:endParaRPr lang="de-CH" dirty="0" smtClean="0"/>
+          </a:p>
+        </p:txBody>
+      </p:sp>
+      <p:sp>
+        <p:nvSpPr>
+          <p:cNvPr id="3" name="Titel 2"/>
+          <p:cNvSpPr>
+            <a:spLocks noGrp="1"/>
+          </p:cNvSpPr>
+          <p:nvPr>
+            <p:ph type="title"/>
+          </p:nvPr>
+        </p:nvSpPr>
+        <p:spPr/>
+        <p:txBody>
+          <a:bodyPr/>
+          <a:lstStyle/>
+          <a:p>
+            <a:r>
+              <a:rPr lang="de-CH" dirty="0" smtClean="0"/>
+              <a:t>Anhang</a:t>
+            </a:r>
+            <a:endParaRPr lang="de-CH" dirty="0"/>
+          </a:p>
+        </p:txBody>
+      </p:sp>
+    </p:spTree>
+    <p:extLst>
+      <p:ext uri="{BB962C8B-B14F-4D97-AF65-F5344CB8AC3E}">
+        <p14:creationId xmlns:p14="http://schemas.microsoft.com/office/powerpoint/2010/main" val="1617171743"/>
       </p:ext>
     </p:extLst>
   </p:cSld>
@@ -6151,8 +7181,8 @@
               <a:t>2. </a:t>
             </a:r>
             <a:r>
-              <a:rPr lang="de-CH" dirty="0" err="1" smtClean="0"/>
-              <a:t>Resaech</a:t>
+              <a:rPr lang="de-CH" dirty="0" smtClean="0"/>
+              <a:t>Research</a:t>
             </a:r>
             <a:endParaRPr lang="de-CH" dirty="0"/>
           </a:p>
@@ -6212,7 +7242,11 @@
           <a:p>
             <a:r>
               <a:rPr lang="de-CH" dirty="0" smtClean="0"/>
-              <a:t>Person 1</a:t>
+              <a:t>Persona </a:t>
+            </a:r>
+            <a:r>
+              <a:rPr lang="de-CH" dirty="0" smtClean="0"/>
+              <a:t>1</a:t>
             </a:r>
           </a:p>
           <a:p>
@@ -6312,7 +7346,11 @@
           <a:p>
             <a:r>
               <a:rPr lang="de-CH" dirty="0" smtClean="0"/>
-              <a:t>Person 2</a:t>
+              <a:t>Persona </a:t>
+            </a:r>
+            <a:r>
+              <a:rPr lang="de-CH" dirty="0" smtClean="0"/>
+              <a:t>2</a:t>
             </a:r>
           </a:p>
           <a:p>
@@ -6420,7 +7458,11 @@
           <a:p>
             <a:r>
               <a:rPr lang="de-CH" dirty="0" smtClean="0"/>
-              <a:t>Person 3</a:t>
+              <a:t>Persona </a:t>
+            </a:r>
+            <a:r>
+              <a:rPr lang="de-CH" dirty="0" smtClean="0"/>
+              <a:t>3</a:t>
             </a:r>
           </a:p>
           <a:p>
@@ -6534,7 +7576,11 @@
             </a:r>
             <a:r>
               <a:rPr lang="en-GB" sz="2400" b="1" dirty="0" err="1"/>
-              <a:t>Öffnen</a:t>
+              <a:t>ö</a:t>
+            </a:r>
+            <a:r>
+              <a:rPr lang="en-GB" sz="2400" b="1" dirty="0" err="1" smtClean="0"/>
+              <a:t>ffnen</a:t>
             </a:r>
             <a:r>
               <a:rPr lang="en-GB" sz="2400" b="1" dirty="0"/>

--- a/Documents/Task 3/Task 03 Design Thinking.pptx
+++ b/Documents/Task 3/Task 03 Design Thinking.pptx
@@ -4915,8 +4915,8 @@
               <a:t>Use Case „Medikament erfassen </a:t>
             </a:r>
             <a:r>
-              <a:rPr lang="de-CH" b="1" dirty="0" err="1"/>
-              <a:t>Photo</a:t>
+              <a:rPr lang="de-CH" b="1" dirty="0" smtClean="0"/>
+              <a:t>Foto</a:t>
             </a:r>
             <a:endParaRPr lang="de-CH" dirty="0"/>
           </a:p>
@@ -5036,47 +5036,16 @@
           <a:p>
             <a:pPr lvl="1"/>
             <a:r>
+              <a:rPr lang="de-CH" b="1" dirty="0" err="1" smtClean="0"/>
+              <a:t>Use</a:t>
+            </a:r>
+            <a:r>
+              <a:rPr lang="de-CH" b="1" dirty="0" smtClean="0"/>
+              <a:t> </a:t>
+            </a:r>
+            <a:r>
               <a:rPr lang="de-CH" b="1" dirty="0"/>
-              <a:t>Use Case „Medikament erfassen </a:t>
-            </a:r>
-            <a:r>
-              <a:rPr lang="de-CH" b="1" dirty="0" smtClean="0"/>
-              <a:t>Foto</a:t>
-            </a:r>
-            <a:r>
-              <a:rPr lang="de-CH" b="1" dirty="0" smtClean="0"/>
-              <a:t>“</a:t>
-            </a:r>
-            <a:endParaRPr lang="de-CH" dirty="0"/>
-          </a:p>
-          <a:p>
-            <a:pPr lvl="2"/>
-            <a:r>
-              <a:rPr lang="de-CH" dirty="0"/>
-              <a:t>Margrit kann mit der </a:t>
-            </a:r>
-            <a:r>
-              <a:rPr lang="de-CH" dirty="0" err="1"/>
-              <a:t>Smartphonekamera</a:t>
-            </a:r>
-            <a:r>
-              <a:rPr lang="de-CH" dirty="0"/>
-              <a:t> </a:t>
-            </a:r>
-            <a:r>
-              <a:rPr lang="de-CH" dirty="0" smtClean="0"/>
-              <a:t>ein Medikament per Barcode erfassen</a:t>
-            </a:r>
-            <a:r>
-              <a:rPr lang="de-CH" dirty="0"/>
-              <a:t>.</a:t>
-            </a:r>
-          </a:p>
-          <a:p>
-            <a:pPr lvl="1"/>
-            <a:r>
-              <a:rPr lang="de-CH" b="1" dirty="0"/>
-              <a:t>Use Case „Medikamenteneinnahme rückmelden“</a:t>
+              <a:t>Case „Medikamenteneinnahme rückmelden“</a:t>
             </a:r>
             <a:endParaRPr lang="de-CH" dirty="0"/>
           </a:p>

--- a/Documents/Task 3/Task 03 Design Thinking.pptx
+++ b/Documents/Task 3/Task 03 Design Thinking.pptx
@@ -6593,8 +6593,13 @@
             <a:pPr lvl="1"/>
             <a:r>
               <a:rPr lang="de-CH" dirty="0" smtClean="0"/>
-              <a:t>Compliance soll erhöht werden</a:t>
-            </a:r>
+              <a:t>Compliance soll erhöht </a:t>
+            </a:r>
+            <a:r>
+              <a:rPr lang="de-CH" dirty="0" smtClean="0"/>
+              <a:t>werden durch Unterstützung der Medikation</a:t>
+            </a:r>
+            <a:endParaRPr lang="de-CH" dirty="0" smtClean="0"/>
           </a:p>
           <a:p>
             <a:pPr lvl="1"/>

--- a/Documents/Task 3/Task 03 Design Thinking.pptx
+++ b/Documents/Task 3/Task 03 Design Thinking.pptx
@@ -4,6 +4,9 @@
   <p:sldMasterIdLst>
     <p:sldMasterId id="2147483660" r:id="rId1"/>
   </p:sldMasterIdLst>
+  <p:notesMasterIdLst>
+    <p:notesMasterId r:id="rId22"/>
+  </p:notesMasterIdLst>
   <p:sldIdLst>
     <p:sldId id="256" r:id="rId2"/>
     <p:sldId id="257" r:id="rId3"/>
@@ -125,7 +128,7 @@
   </p:defaultTextStyle>
   <p:extLst>
     <p:ext uri="{EFAFB233-063F-42B5-8137-9DF3F51BA10A}">
-      <p15:sldGuideLst xmlns:p15="http://schemas.microsoft.com/office/powerpoint/2012/main" xmlns="">
+      <p15:sldGuideLst xmlns:p15="http://schemas.microsoft.com/office/powerpoint/2012/main">
         <p15:guide id="1" orient="horz" pos="2160">
           <p15:clr>
             <a:srgbClr val="A4A3A4"/>
@@ -140,6 +143,489 @@
     </p:ext>
   </p:extLst>
 </p:presentation>
+</file>
+
+<file path=ppt/notesMasters/notesMaster1.xml><?xml version="1.0" encoding="utf-8"?>
+<p:notesMaster xmlns:a="http://schemas.openxmlformats.org/drawingml/2006/main" xmlns:r="http://schemas.openxmlformats.org/officeDocument/2006/relationships" xmlns:p="http://schemas.openxmlformats.org/presentationml/2006/main">
+  <p:cSld>
+    <p:bg>
+      <p:bgRef idx="1001">
+        <a:schemeClr val="bg1"/>
+      </p:bgRef>
+    </p:bg>
+    <p:spTree>
+      <p:nvGrpSpPr>
+        <p:cNvPr id="1" name=""/>
+        <p:cNvGrpSpPr/>
+        <p:nvPr/>
+      </p:nvGrpSpPr>
+      <p:grpSpPr>
+        <a:xfrm>
+          <a:off x="0" y="0"/>
+          <a:ext cx="0" cy="0"/>
+          <a:chOff x="0" y="0"/>
+          <a:chExt cx="0" cy="0"/>
+        </a:xfrm>
+      </p:grpSpPr>
+      <p:sp>
+        <p:nvSpPr>
+          <p:cNvPr id="2" name="Kopfzeilenplatzhalter 1"/>
+          <p:cNvSpPr>
+            <a:spLocks noGrp="1"/>
+          </p:cNvSpPr>
+          <p:nvPr>
+            <p:ph type="hdr" sz="quarter"/>
+          </p:nvPr>
+        </p:nvSpPr>
+        <p:spPr>
+          <a:xfrm>
+            <a:off x="0" y="0"/>
+            <a:ext cx="2971800" cy="458788"/>
+          </a:xfrm>
+          <a:prstGeom prst="rect">
+            <a:avLst/>
+          </a:prstGeom>
+        </p:spPr>
+        <p:txBody>
+          <a:bodyPr vert="horz" lIns="91440" tIns="45720" rIns="91440" bIns="45720" rtlCol="0"/>
+          <a:lstStyle>
+            <a:lvl1pPr algn="l">
+              <a:defRPr sz="1200"/>
+            </a:lvl1pPr>
+          </a:lstStyle>
+          <a:p>
+            <a:endParaRPr lang="de-CH"/>
+          </a:p>
+        </p:txBody>
+      </p:sp>
+      <p:sp>
+        <p:nvSpPr>
+          <p:cNvPr id="3" name="Datumsplatzhalter 2"/>
+          <p:cNvSpPr>
+            <a:spLocks noGrp="1"/>
+          </p:cNvSpPr>
+          <p:nvPr>
+            <p:ph type="dt" idx="1"/>
+          </p:nvPr>
+        </p:nvSpPr>
+        <p:spPr>
+          <a:xfrm>
+            <a:off x="3884613" y="0"/>
+            <a:ext cx="2971800" cy="458788"/>
+          </a:xfrm>
+          <a:prstGeom prst="rect">
+            <a:avLst/>
+          </a:prstGeom>
+        </p:spPr>
+        <p:txBody>
+          <a:bodyPr vert="horz" lIns="91440" tIns="45720" rIns="91440" bIns="45720" rtlCol="0"/>
+          <a:lstStyle>
+            <a:lvl1pPr algn="r">
+              <a:defRPr sz="1200"/>
+            </a:lvl1pPr>
+          </a:lstStyle>
+          <a:p>
+            <a:fld id="{BC49D455-5344-424F-884C-0B8F6D1C7DAE}" type="datetimeFigureOut">
+              <a:rPr lang="de-CH" smtClean="0"/>
+              <a:t>15.10.2015</a:t>
+            </a:fld>
+            <a:endParaRPr lang="de-CH"/>
+          </a:p>
+        </p:txBody>
+      </p:sp>
+      <p:sp>
+        <p:nvSpPr>
+          <p:cNvPr id="4" name="Folienbildplatzhalter 3"/>
+          <p:cNvSpPr>
+            <a:spLocks noGrp="1" noRot="1" noChangeAspect="1"/>
+          </p:cNvSpPr>
+          <p:nvPr>
+            <p:ph type="sldImg" idx="2"/>
+          </p:nvPr>
+        </p:nvSpPr>
+        <p:spPr>
+          <a:xfrm>
+            <a:off x="1371600" y="1143000"/>
+            <a:ext cx="4114800" cy="3086100"/>
+          </a:xfrm>
+          <a:prstGeom prst="rect">
+            <a:avLst/>
+          </a:prstGeom>
+          <a:noFill/>
+          <a:ln w="12700">
+            <a:solidFill>
+              <a:prstClr val="black"/>
+            </a:solidFill>
+          </a:ln>
+        </p:spPr>
+        <p:txBody>
+          <a:bodyPr vert="horz" lIns="91440" tIns="45720" rIns="91440" bIns="45720" rtlCol="0" anchor="ctr"/>
+          <a:lstStyle/>
+          <a:p>
+            <a:endParaRPr lang="de-CH"/>
+          </a:p>
+        </p:txBody>
+      </p:sp>
+      <p:sp>
+        <p:nvSpPr>
+          <p:cNvPr id="5" name="Notizenplatzhalter 4"/>
+          <p:cNvSpPr>
+            <a:spLocks noGrp="1"/>
+          </p:cNvSpPr>
+          <p:nvPr>
+            <p:ph type="body" sz="quarter" idx="3"/>
+          </p:nvPr>
+        </p:nvSpPr>
+        <p:spPr>
+          <a:xfrm>
+            <a:off x="685800" y="4400550"/>
+            <a:ext cx="5486400" cy="3600450"/>
+          </a:xfrm>
+          <a:prstGeom prst="rect">
+            <a:avLst/>
+          </a:prstGeom>
+        </p:spPr>
+        <p:txBody>
+          <a:bodyPr vert="horz" lIns="91440" tIns="45720" rIns="91440" bIns="45720" rtlCol="0"/>
+          <a:lstStyle/>
+          <a:p>
+            <a:pPr lvl="0"/>
+            <a:r>
+              <a:rPr lang="de-DE" smtClean="0"/>
+              <a:t>Textmasterformat bearbeiten</a:t>
+            </a:r>
+          </a:p>
+          <a:p>
+            <a:pPr lvl="1"/>
+            <a:r>
+              <a:rPr lang="de-DE" smtClean="0"/>
+              <a:t>Zweite Ebene</a:t>
+            </a:r>
+          </a:p>
+          <a:p>
+            <a:pPr lvl="2"/>
+            <a:r>
+              <a:rPr lang="de-DE" smtClean="0"/>
+              <a:t>Dritte Ebene</a:t>
+            </a:r>
+          </a:p>
+          <a:p>
+            <a:pPr lvl="3"/>
+            <a:r>
+              <a:rPr lang="de-DE" smtClean="0"/>
+              <a:t>Vierte Ebene</a:t>
+            </a:r>
+          </a:p>
+          <a:p>
+            <a:pPr lvl="4"/>
+            <a:r>
+              <a:rPr lang="de-DE" smtClean="0"/>
+              <a:t>Fünfte Ebene</a:t>
+            </a:r>
+            <a:endParaRPr lang="de-CH"/>
+          </a:p>
+        </p:txBody>
+      </p:sp>
+      <p:sp>
+        <p:nvSpPr>
+          <p:cNvPr id="6" name="Fußzeilenplatzhalter 5"/>
+          <p:cNvSpPr>
+            <a:spLocks noGrp="1"/>
+          </p:cNvSpPr>
+          <p:nvPr>
+            <p:ph type="ftr" sz="quarter" idx="4"/>
+          </p:nvPr>
+        </p:nvSpPr>
+        <p:spPr>
+          <a:xfrm>
+            <a:off x="0" y="8685213"/>
+            <a:ext cx="2971800" cy="458787"/>
+          </a:xfrm>
+          <a:prstGeom prst="rect">
+            <a:avLst/>
+          </a:prstGeom>
+        </p:spPr>
+        <p:txBody>
+          <a:bodyPr vert="horz" lIns="91440" tIns="45720" rIns="91440" bIns="45720" rtlCol="0" anchor="b"/>
+          <a:lstStyle>
+            <a:lvl1pPr algn="l">
+              <a:defRPr sz="1200"/>
+            </a:lvl1pPr>
+          </a:lstStyle>
+          <a:p>
+            <a:endParaRPr lang="de-CH"/>
+          </a:p>
+        </p:txBody>
+      </p:sp>
+      <p:sp>
+        <p:nvSpPr>
+          <p:cNvPr id="7" name="Foliennummernplatzhalter 6"/>
+          <p:cNvSpPr>
+            <a:spLocks noGrp="1"/>
+          </p:cNvSpPr>
+          <p:nvPr>
+            <p:ph type="sldNum" sz="quarter" idx="5"/>
+          </p:nvPr>
+        </p:nvSpPr>
+        <p:spPr>
+          <a:xfrm>
+            <a:off x="3884613" y="8685213"/>
+            <a:ext cx="2971800" cy="458787"/>
+          </a:xfrm>
+          <a:prstGeom prst="rect">
+            <a:avLst/>
+          </a:prstGeom>
+        </p:spPr>
+        <p:txBody>
+          <a:bodyPr vert="horz" lIns="91440" tIns="45720" rIns="91440" bIns="45720" rtlCol="0" anchor="b"/>
+          <a:lstStyle>
+            <a:lvl1pPr algn="r">
+              <a:defRPr sz="1200"/>
+            </a:lvl1pPr>
+          </a:lstStyle>
+          <a:p>
+            <a:fld id="{73DD2008-20EA-452B-88EB-B5308538E411}" type="slidenum">
+              <a:rPr lang="de-CH" smtClean="0"/>
+              <a:t>‹Nr.›</a:t>
+            </a:fld>
+            <a:endParaRPr lang="de-CH"/>
+          </a:p>
+        </p:txBody>
+      </p:sp>
+    </p:spTree>
+    <p:extLst>
+      <p:ext uri="{BB962C8B-B14F-4D97-AF65-F5344CB8AC3E}">
+        <p14:creationId xmlns:p14="http://schemas.microsoft.com/office/powerpoint/2010/main" val="853959460"/>
+      </p:ext>
+    </p:extLst>
+  </p:cSld>
+  <p:clrMap bg1="lt1" tx1="dk1" bg2="lt2" tx2="dk2" accent1="accent1" accent2="accent2" accent3="accent3" accent4="accent4" accent5="accent5" accent6="accent6" hlink="hlink" folHlink="folHlink"/>
+  <p:notesStyle>
+    <a:lvl1pPr marL="0" algn="l" defTabSz="914400" rtl="0" eaLnBrk="1" latinLnBrk="0" hangingPunct="1">
+      <a:defRPr sz="1200" kern="1200">
+        <a:solidFill>
+          <a:schemeClr val="tx1"/>
+        </a:solidFill>
+        <a:latin typeface="+mn-lt"/>
+        <a:ea typeface="+mn-ea"/>
+        <a:cs typeface="+mn-cs"/>
+      </a:defRPr>
+    </a:lvl1pPr>
+    <a:lvl2pPr marL="457200" algn="l" defTabSz="914400" rtl="0" eaLnBrk="1" latinLnBrk="0" hangingPunct="1">
+      <a:defRPr sz="1200" kern="1200">
+        <a:solidFill>
+          <a:schemeClr val="tx1"/>
+        </a:solidFill>
+        <a:latin typeface="+mn-lt"/>
+        <a:ea typeface="+mn-ea"/>
+        <a:cs typeface="+mn-cs"/>
+      </a:defRPr>
+    </a:lvl2pPr>
+    <a:lvl3pPr marL="914400" algn="l" defTabSz="914400" rtl="0" eaLnBrk="1" latinLnBrk="0" hangingPunct="1">
+      <a:defRPr sz="1200" kern="1200">
+        <a:solidFill>
+          <a:schemeClr val="tx1"/>
+        </a:solidFill>
+        <a:latin typeface="+mn-lt"/>
+        <a:ea typeface="+mn-ea"/>
+        <a:cs typeface="+mn-cs"/>
+      </a:defRPr>
+    </a:lvl3pPr>
+    <a:lvl4pPr marL="1371600" algn="l" defTabSz="914400" rtl="0" eaLnBrk="1" latinLnBrk="0" hangingPunct="1">
+      <a:defRPr sz="1200" kern="1200">
+        <a:solidFill>
+          <a:schemeClr val="tx1"/>
+        </a:solidFill>
+        <a:latin typeface="+mn-lt"/>
+        <a:ea typeface="+mn-ea"/>
+        <a:cs typeface="+mn-cs"/>
+      </a:defRPr>
+    </a:lvl4pPr>
+    <a:lvl5pPr marL="1828800" algn="l" defTabSz="914400" rtl="0" eaLnBrk="1" latinLnBrk="0" hangingPunct="1">
+      <a:defRPr sz="1200" kern="1200">
+        <a:solidFill>
+          <a:schemeClr val="tx1"/>
+        </a:solidFill>
+        <a:latin typeface="+mn-lt"/>
+        <a:ea typeface="+mn-ea"/>
+        <a:cs typeface="+mn-cs"/>
+      </a:defRPr>
+    </a:lvl5pPr>
+    <a:lvl6pPr marL="2286000" algn="l" defTabSz="914400" rtl="0" eaLnBrk="1" latinLnBrk="0" hangingPunct="1">
+      <a:defRPr sz="1200" kern="1200">
+        <a:solidFill>
+          <a:schemeClr val="tx1"/>
+        </a:solidFill>
+        <a:latin typeface="+mn-lt"/>
+        <a:ea typeface="+mn-ea"/>
+        <a:cs typeface="+mn-cs"/>
+      </a:defRPr>
+    </a:lvl6pPr>
+    <a:lvl7pPr marL="2743200" algn="l" defTabSz="914400" rtl="0" eaLnBrk="1" latinLnBrk="0" hangingPunct="1">
+      <a:defRPr sz="1200" kern="1200">
+        <a:solidFill>
+          <a:schemeClr val="tx1"/>
+        </a:solidFill>
+        <a:latin typeface="+mn-lt"/>
+        <a:ea typeface="+mn-ea"/>
+        <a:cs typeface="+mn-cs"/>
+      </a:defRPr>
+    </a:lvl7pPr>
+    <a:lvl8pPr marL="3200400" algn="l" defTabSz="914400" rtl="0" eaLnBrk="1" latinLnBrk="0" hangingPunct="1">
+      <a:defRPr sz="1200" kern="1200">
+        <a:solidFill>
+          <a:schemeClr val="tx1"/>
+        </a:solidFill>
+        <a:latin typeface="+mn-lt"/>
+        <a:ea typeface="+mn-ea"/>
+        <a:cs typeface="+mn-cs"/>
+      </a:defRPr>
+    </a:lvl8pPr>
+    <a:lvl9pPr marL="3657600" algn="l" defTabSz="914400" rtl="0" eaLnBrk="1" latinLnBrk="0" hangingPunct="1">
+      <a:defRPr sz="1200" kern="1200">
+        <a:solidFill>
+          <a:schemeClr val="tx1"/>
+        </a:solidFill>
+        <a:latin typeface="+mn-lt"/>
+        <a:ea typeface="+mn-ea"/>
+        <a:cs typeface="+mn-cs"/>
+      </a:defRPr>
+    </a:lvl9pPr>
+  </p:notesStyle>
+</p:notesMaster>
+</file>
+
+<file path=ppt/notesSlides/notesSlide1.xml><?xml version="1.0" encoding="utf-8"?>
+<p:notes xmlns:a="http://schemas.openxmlformats.org/drawingml/2006/main" xmlns:r="http://schemas.openxmlformats.org/officeDocument/2006/relationships" xmlns:p="http://schemas.openxmlformats.org/presentationml/2006/main">
+  <p:cSld>
+    <p:spTree>
+      <p:nvGrpSpPr>
+        <p:cNvPr id="1" name=""/>
+        <p:cNvGrpSpPr/>
+        <p:nvPr/>
+      </p:nvGrpSpPr>
+      <p:grpSpPr>
+        <a:xfrm>
+          <a:off x="0" y="0"/>
+          <a:ext cx="0" cy="0"/>
+          <a:chOff x="0" y="0"/>
+          <a:chExt cx="0" cy="0"/>
+        </a:xfrm>
+      </p:grpSpPr>
+      <p:sp>
+        <p:nvSpPr>
+          <p:cNvPr id="2" name="Folienbildplatzhalter 1"/>
+          <p:cNvSpPr>
+            <a:spLocks noGrp="1" noRot="1" noChangeAspect="1"/>
+          </p:cNvSpPr>
+          <p:nvPr>
+            <p:ph type="sldImg"/>
+          </p:nvPr>
+        </p:nvSpPr>
+        <p:spPr/>
+      </p:sp>
+      <p:sp>
+        <p:nvSpPr>
+          <p:cNvPr id="3" name="Notizenplatzhalter 2"/>
+          <p:cNvSpPr>
+            <a:spLocks noGrp="1"/>
+          </p:cNvSpPr>
+          <p:nvPr>
+            <p:ph type="body" idx="1"/>
+          </p:nvPr>
+        </p:nvSpPr>
+        <p:spPr/>
+        <p:txBody>
+          <a:bodyPr/>
+          <a:lstStyle/>
+          <a:p>
+            <a:r>
+              <a:rPr lang="de-DE" dirty="0" smtClean="0"/>
+              <a:t>App</a:t>
+            </a:r>
+            <a:r>
+              <a:rPr lang="de-DE" baseline="0" dirty="0" smtClean="0"/>
+              <a:t> Benutzung unterschiedlich</a:t>
+            </a:r>
+          </a:p>
+          <a:p>
+            <a:r>
+              <a:rPr lang="de-DE" baseline="0" dirty="0" smtClean="0"/>
+              <a:t>Datenschutz </a:t>
+            </a:r>
+          </a:p>
+          <a:p>
+            <a:r>
+              <a:rPr lang="de-DE" baseline="0" dirty="0" smtClean="0"/>
+              <a:t>Unterscheiden von Arzt verordneten Selbstmedikation</a:t>
+            </a:r>
+          </a:p>
+          <a:p>
+            <a:r>
+              <a:rPr lang="de-DE" baseline="0" dirty="0" err="1" smtClean="0"/>
+              <a:t>Medi</a:t>
+            </a:r>
+            <a:r>
+              <a:rPr lang="de-DE" baseline="0" dirty="0" smtClean="0"/>
+              <a:t> </a:t>
+            </a:r>
+            <a:r>
+              <a:rPr lang="de-DE" baseline="0" dirty="0" err="1" smtClean="0"/>
+              <a:t>einnahme</a:t>
+            </a:r>
+            <a:r>
+              <a:rPr lang="de-DE" baseline="0" dirty="0" smtClean="0"/>
+              <a:t> </a:t>
+            </a:r>
+            <a:r>
+              <a:rPr lang="de-DE" baseline="0" dirty="0" err="1" smtClean="0"/>
+              <a:t>alarm</a:t>
+            </a:r>
+            <a:endParaRPr lang="de-DE" baseline="0" dirty="0" smtClean="0"/>
+          </a:p>
+          <a:p>
+            <a:r>
+              <a:rPr lang="de-DE" baseline="0" dirty="0" smtClean="0"/>
+              <a:t>Nachkauf erinnern</a:t>
+            </a:r>
+            <a:endParaRPr lang="de-CH" dirty="0"/>
+          </a:p>
+        </p:txBody>
+      </p:sp>
+      <p:sp>
+        <p:nvSpPr>
+          <p:cNvPr id="4" name="Foliennummernplatzhalter 3"/>
+          <p:cNvSpPr>
+            <a:spLocks noGrp="1"/>
+          </p:cNvSpPr>
+          <p:nvPr>
+            <p:ph type="sldNum" sz="quarter" idx="10"/>
+          </p:nvPr>
+        </p:nvSpPr>
+        <p:spPr/>
+        <p:txBody>
+          <a:bodyPr/>
+          <a:lstStyle/>
+          <a:p>
+            <a:fld id="{73DD2008-20EA-452B-88EB-B5308538E411}" type="slidenum">
+              <a:rPr lang="de-CH" smtClean="0"/>
+              <a:t>5</a:t>
+            </a:fld>
+            <a:endParaRPr lang="de-CH"/>
+          </a:p>
+        </p:txBody>
+      </p:sp>
+    </p:spTree>
+    <p:extLst>
+      <p:ext uri="{BB962C8B-B14F-4D97-AF65-F5344CB8AC3E}">
+        <p14:creationId xmlns:p14="http://schemas.microsoft.com/office/powerpoint/2010/main" val="659461919"/>
+      </p:ext>
+    </p:extLst>
+  </p:cSld>
+  <p:clrMapOvr>
+    <a:masterClrMapping/>
+  </p:clrMapOvr>
+</p:notes>
 </file>
 
 <file path=ppt/slideLayouts/slideLayout1.xml><?xml version="1.0" encoding="utf-8"?>
@@ -4928,11 +5414,7 @@
             </a:r>
             <a:r>
               <a:rPr lang="de-CH" dirty="0" smtClean="0"/>
-              <a:t>f</a:t>
-            </a:r>
-            <a:r>
-              <a:rPr lang="de-CH" dirty="0" smtClean="0"/>
-              <a:t>otografieren</a:t>
+              <a:t>fotografieren</a:t>
             </a:r>
             <a:r>
               <a:rPr lang="de-CH" dirty="0"/>
@@ -5176,11 +5658,7 @@
           <a:p>
             <a:r>
               <a:rPr lang="de-CH" dirty="0" smtClean="0"/>
-              <a:t>5. </a:t>
-            </a:r>
-            <a:r>
-              <a:rPr lang="de-CH" dirty="0" smtClean="0"/>
-              <a:t>Prototype Anmeldung</a:t>
+              <a:t>5. Prototype Anmeldung</a:t>
             </a:r>
             <a:endParaRPr lang="de-CH" dirty="0"/>
           </a:p>
@@ -5382,11 +5860,7 @@
           <a:p>
             <a:r>
               <a:rPr lang="de-CH" dirty="0" smtClean="0"/>
-              <a:t>5. </a:t>
-            </a:r>
-            <a:r>
-              <a:rPr lang="de-CH" dirty="0" smtClean="0"/>
-              <a:t>Prototype Hauptmenü</a:t>
+              <a:t>5. Prototype Hauptmenü</a:t>
             </a:r>
             <a:endParaRPr lang="de-CH" dirty="0"/>
           </a:p>
@@ -5513,11 +5987,7 @@
           <a:p>
             <a:r>
               <a:rPr lang="de-CH" dirty="0" smtClean="0"/>
-              <a:t>5. </a:t>
-            </a:r>
-            <a:r>
-              <a:rPr lang="de-CH" dirty="0" smtClean="0"/>
-              <a:t>Prototype Medikamente rückmelden</a:t>
+              <a:t>5. Prototype Medikamente rückmelden</a:t>
             </a:r>
             <a:endParaRPr lang="de-CH" dirty="0"/>
           </a:p>
@@ -5724,11 +6194,7 @@
           <a:p>
             <a:r>
               <a:rPr lang="de-CH" dirty="0" smtClean="0"/>
-              <a:t>5. </a:t>
-            </a:r>
-            <a:r>
-              <a:rPr lang="de-CH" dirty="0" smtClean="0"/>
-              <a:t>Prototype Medikamente erfassen</a:t>
+              <a:t>5. Prototype Medikamente erfassen</a:t>
             </a:r>
             <a:endParaRPr lang="de-CH" dirty="0"/>
           </a:p>
@@ -5978,11 +6444,7 @@
           <a:p>
             <a:r>
               <a:rPr lang="de-CH" dirty="0" smtClean="0"/>
-              <a:t>5. </a:t>
-            </a:r>
-            <a:r>
-              <a:rPr lang="de-CH" dirty="0" smtClean="0"/>
-              <a:t>Prototype Medikamente erfassen</a:t>
+              <a:t>5. Prototype Medikamente erfassen</a:t>
             </a:r>
             <a:endParaRPr lang="de-CH" dirty="0"/>
           </a:p>
@@ -6150,11 +6612,7 @@
           <a:p>
             <a:r>
               <a:rPr lang="de-CH" dirty="0" smtClean="0"/>
-              <a:t>5. </a:t>
-            </a:r>
-            <a:r>
-              <a:rPr lang="de-CH" dirty="0" smtClean="0"/>
-              <a:t>Prototype Medikamente erfassen</a:t>
+              <a:t>5. Prototype Medikamente erfassen</a:t>
             </a:r>
             <a:endParaRPr lang="de-CH" dirty="0"/>
           </a:p>
@@ -6247,7 +6705,6 @@
               <a:rPr lang="de-CH" dirty="0" smtClean="0"/>
               <a:t>Rückmelde-Knopf fällt zu wenig auf</a:t>
             </a:r>
-            <a:endParaRPr lang="de-CH" dirty="0" smtClean="0"/>
           </a:p>
         </p:txBody>
       </p:sp>
@@ -6491,7 +6948,6 @@
               <a:rPr lang="de-CH" dirty="0" smtClean="0"/>
               <a:t> Gruppe Schwarz im Ordner Task 3 aufgeführten Dokumente</a:t>
             </a:r>
-            <a:endParaRPr lang="de-CH" dirty="0" smtClean="0"/>
           </a:p>
         </p:txBody>
       </p:sp>
@@ -6593,13 +7049,8 @@
             <a:pPr lvl="1"/>
             <a:r>
               <a:rPr lang="de-CH" dirty="0" smtClean="0"/>
-              <a:t>Compliance soll erhöht </a:t>
-            </a:r>
-            <a:r>
-              <a:rPr lang="de-CH" dirty="0" smtClean="0"/>
-              <a:t>werden durch Unterstützung der Medikation</a:t>
-            </a:r>
-            <a:endParaRPr lang="de-CH" dirty="0" smtClean="0"/>
+              <a:t>Compliance soll erhöht werden durch Unterstützung der Medikation</a:t>
+            </a:r>
           </a:p>
           <a:p>
             <a:pPr lvl="1"/>
@@ -7152,11 +7603,7 @@
           <a:p>
             <a:r>
               <a:rPr lang="de-CH" dirty="0" smtClean="0"/>
-              <a:t>2. </a:t>
-            </a:r>
-            <a:r>
-              <a:rPr lang="de-CH" dirty="0" smtClean="0"/>
-              <a:t>Research</a:t>
+              <a:t>2. Research</a:t>
             </a:r>
             <a:endParaRPr lang="de-CH" dirty="0"/>
           </a:p>
@@ -7216,11 +7663,7 @@
           <a:p>
             <a:r>
               <a:rPr lang="de-CH" dirty="0" smtClean="0"/>
-              <a:t>Persona </a:t>
-            </a:r>
-            <a:r>
-              <a:rPr lang="de-CH" dirty="0" smtClean="0"/>
-              <a:t>1</a:t>
+              <a:t>Persona 1</a:t>
             </a:r>
           </a:p>
           <a:p>
@@ -7320,11 +7763,7 @@
           <a:p>
             <a:r>
               <a:rPr lang="de-CH" dirty="0" smtClean="0"/>
-              <a:t>Persona </a:t>
-            </a:r>
-            <a:r>
-              <a:rPr lang="de-CH" dirty="0" smtClean="0"/>
-              <a:t>2</a:t>
+              <a:t>Persona 2</a:t>
             </a:r>
           </a:p>
           <a:p>
@@ -7432,11 +7871,7 @@
           <a:p>
             <a:r>
               <a:rPr lang="de-CH" dirty="0" smtClean="0"/>
-              <a:t>Persona </a:t>
-            </a:r>
-            <a:r>
-              <a:rPr lang="de-CH" dirty="0" smtClean="0"/>
-              <a:t>3</a:t>
+              <a:t>Persona 3</a:t>
             </a:r>
           </a:p>
           <a:p>
@@ -7932,4 +8367,265 @@
   <a:objectDefaults/>
   <a:extraClrSchemeLst/>
 </a:theme>
+</file>
+
+<file path=ppt/theme/theme2.xml><?xml version="1.0" encoding="utf-8"?>
+<a:theme xmlns:a="http://schemas.openxmlformats.org/drawingml/2006/main" name="Office Theme">
+  <a:themeElements>
+    <a:clrScheme name="Office">
+      <a:dk1>
+        <a:sysClr val="windowText" lastClr="000000"/>
+      </a:dk1>
+      <a:lt1>
+        <a:sysClr val="window" lastClr="FFFFFF"/>
+      </a:lt1>
+      <a:dk2>
+        <a:srgbClr val="44546A"/>
+      </a:dk2>
+      <a:lt2>
+        <a:srgbClr val="E7E6E6"/>
+      </a:lt2>
+      <a:accent1>
+        <a:srgbClr val="5B9BD5"/>
+      </a:accent1>
+      <a:accent2>
+        <a:srgbClr val="ED7D31"/>
+      </a:accent2>
+      <a:accent3>
+        <a:srgbClr val="A5A5A5"/>
+      </a:accent3>
+      <a:accent4>
+        <a:srgbClr val="FFC000"/>
+      </a:accent4>
+      <a:accent5>
+        <a:srgbClr val="4472C4"/>
+      </a:accent5>
+      <a:accent6>
+        <a:srgbClr val="70AD47"/>
+      </a:accent6>
+      <a:hlink>
+        <a:srgbClr val="0563C1"/>
+      </a:hlink>
+      <a:folHlink>
+        <a:srgbClr val="954F72"/>
+      </a:folHlink>
+    </a:clrScheme>
+    <a:fontScheme name="Office">
+      <a:majorFont>
+        <a:latin typeface="Calibri Light" panose="020F0302020204030204"/>
+        <a:ea typeface=""/>
+        <a:cs typeface=""/>
+        <a:font script="Jpan" typeface="ＭＳ Ｐゴシック"/>
+        <a:font script="Hang" typeface="맑은 고딕"/>
+        <a:font script="Hans" typeface="宋体"/>
+        <a:font script="Hant" typeface="新細明體"/>
+        <a:font script="Arab" typeface="Times New Roman"/>
+        <a:font script="Hebr" typeface="Times New Roman"/>
+        <a:font script="Thai" typeface="Angsana New"/>
+        <a:font script="Ethi" typeface="Nyala"/>
+        <a:font script="Beng" typeface="Vrinda"/>
+        <a:font script="Gujr" typeface="Shruti"/>
+        <a:font script="Khmr" typeface="MoolBoran"/>
+        <a:font script="Knda" typeface="Tunga"/>
+        <a:font script="Guru" typeface="Raavi"/>
+        <a:font script="Cans" typeface="Euphemia"/>
+        <a:font script="Cher" typeface="Plantagenet Cherokee"/>
+        <a:font script="Yiii" typeface="Microsoft Yi Baiti"/>
+        <a:font script="Tibt" typeface="Microsoft Himalaya"/>
+        <a:font script="Thaa" typeface="MV Boli"/>
+        <a:font script="Deva" typeface="Mangal"/>
+        <a:font script="Telu" typeface="Gautami"/>
+        <a:font script="Taml" typeface="Latha"/>
+        <a:font script="Syrc" typeface="Estrangelo Edessa"/>
+        <a:font script="Orya" typeface="Kalinga"/>
+        <a:font script="Mlym" typeface="Kartika"/>
+        <a:font script="Laoo" typeface="DokChampa"/>
+        <a:font script="Sinh" typeface="Iskoola Pota"/>
+        <a:font script="Mong" typeface="Mongolian Baiti"/>
+        <a:font script="Viet" typeface="Times New Roman"/>
+        <a:font script="Uigh" typeface="Microsoft Uighur"/>
+        <a:font script="Geor" typeface="Sylfaen"/>
+      </a:majorFont>
+      <a:minorFont>
+        <a:latin typeface="Calibri" panose="020F0502020204030204"/>
+        <a:ea typeface=""/>
+        <a:cs typeface=""/>
+        <a:font script="Jpan" typeface="ＭＳ Ｐゴシック"/>
+        <a:font script="Hang" typeface="맑은 고딕"/>
+        <a:font script="Hans" typeface="宋体"/>
+        <a:font script="Hant" typeface="新細明體"/>
+        <a:font script="Arab" typeface="Arial"/>
+        <a:font script="Hebr" typeface="Arial"/>
+        <a:font script="Thai" typeface="Cordia New"/>
+        <a:font script="Ethi" typeface="Nyala"/>
+        <a:font script="Beng" typeface="Vrinda"/>
+        <a:font script="Gujr" typeface="Shruti"/>
+        <a:font script="Khmr" typeface="DaunPenh"/>
+        <a:font script="Knda" typeface="Tunga"/>
+        <a:font script="Guru" typeface="Raavi"/>
+        <a:font script="Cans" typeface="Euphemia"/>
+        <a:font script="Cher" typeface="Plantagenet Cherokee"/>
+        <a:font script="Yiii" typeface="Microsoft Yi Baiti"/>
+        <a:font script="Tibt" typeface="Microsoft Himalaya"/>
+        <a:font script="Thaa" typeface="MV Boli"/>
+        <a:font script="Deva" typeface="Mangal"/>
+        <a:font script="Telu" typeface="Gautami"/>
+        <a:font script="Taml" typeface="Latha"/>
+        <a:font script="Syrc" typeface="Estrangelo Edessa"/>
+        <a:font script="Orya" typeface="Kalinga"/>
+        <a:font script="Mlym" typeface="Kartika"/>
+        <a:font script="Laoo" typeface="DokChampa"/>
+        <a:font script="Sinh" typeface="Iskoola Pota"/>
+        <a:font script="Mong" typeface="Mongolian Baiti"/>
+        <a:font script="Viet" typeface="Arial"/>
+        <a:font script="Uigh" typeface="Microsoft Uighur"/>
+        <a:font script="Geor" typeface="Sylfaen"/>
+      </a:minorFont>
+    </a:fontScheme>
+    <a:fmtScheme name="Office">
+      <a:fillStyleLst>
+        <a:solidFill>
+          <a:schemeClr val="phClr"/>
+        </a:solidFill>
+        <a:gradFill rotWithShape="1">
+          <a:gsLst>
+            <a:gs pos="0">
+              <a:schemeClr val="phClr">
+                <a:lumMod val="110000"/>
+                <a:satMod val="105000"/>
+                <a:tint val="67000"/>
+              </a:schemeClr>
+            </a:gs>
+            <a:gs pos="50000">
+              <a:schemeClr val="phClr">
+                <a:lumMod val="105000"/>
+                <a:satMod val="103000"/>
+                <a:tint val="73000"/>
+              </a:schemeClr>
+            </a:gs>
+            <a:gs pos="100000">
+              <a:schemeClr val="phClr">
+                <a:lumMod val="105000"/>
+                <a:satMod val="109000"/>
+                <a:tint val="81000"/>
+              </a:schemeClr>
+            </a:gs>
+          </a:gsLst>
+          <a:lin ang="5400000" scaled="0"/>
+        </a:gradFill>
+        <a:gradFill rotWithShape="1">
+          <a:gsLst>
+            <a:gs pos="0">
+              <a:schemeClr val="phClr">
+                <a:satMod val="103000"/>
+                <a:lumMod val="102000"/>
+                <a:tint val="94000"/>
+              </a:schemeClr>
+            </a:gs>
+            <a:gs pos="50000">
+              <a:schemeClr val="phClr">
+                <a:satMod val="110000"/>
+                <a:lumMod val="100000"/>
+                <a:shade val="100000"/>
+              </a:schemeClr>
+            </a:gs>
+            <a:gs pos="100000">
+              <a:schemeClr val="phClr">
+                <a:lumMod val="99000"/>
+                <a:satMod val="120000"/>
+                <a:shade val="78000"/>
+              </a:schemeClr>
+            </a:gs>
+          </a:gsLst>
+          <a:lin ang="5400000" scaled="0"/>
+        </a:gradFill>
+      </a:fillStyleLst>
+      <a:lnStyleLst>
+        <a:ln w="6350" cap="flat" cmpd="sng" algn="ctr">
+          <a:solidFill>
+            <a:schemeClr val="phClr"/>
+          </a:solidFill>
+          <a:prstDash val="solid"/>
+          <a:miter lim="800000"/>
+        </a:ln>
+        <a:ln w="12700" cap="flat" cmpd="sng" algn="ctr">
+          <a:solidFill>
+            <a:schemeClr val="phClr"/>
+          </a:solidFill>
+          <a:prstDash val="solid"/>
+          <a:miter lim="800000"/>
+        </a:ln>
+        <a:ln w="19050" cap="flat" cmpd="sng" algn="ctr">
+          <a:solidFill>
+            <a:schemeClr val="phClr"/>
+          </a:solidFill>
+          <a:prstDash val="solid"/>
+          <a:miter lim="800000"/>
+        </a:ln>
+      </a:lnStyleLst>
+      <a:effectStyleLst>
+        <a:effectStyle>
+          <a:effectLst/>
+        </a:effectStyle>
+        <a:effectStyle>
+          <a:effectLst/>
+        </a:effectStyle>
+        <a:effectStyle>
+          <a:effectLst>
+            <a:outerShdw blurRad="57150" dist="19050" dir="5400000" algn="ctr" rotWithShape="0">
+              <a:srgbClr val="000000">
+                <a:alpha val="63000"/>
+              </a:srgbClr>
+            </a:outerShdw>
+          </a:effectLst>
+        </a:effectStyle>
+      </a:effectStyleLst>
+      <a:bgFillStyleLst>
+        <a:solidFill>
+          <a:schemeClr val="phClr"/>
+        </a:solidFill>
+        <a:solidFill>
+          <a:schemeClr val="phClr">
+            <a:tint val="95000"/>
+            <a:satMod val="170000"/>
+          </a:schemeClr>
+        </a:solidFill>
+        <a:gradFill rotWithShape="1">
+          <a:gsLst>
+            <a:gs pos="0">
+              <a:schemeClr val="phClr">
+                <a:tint val="93000"/>
+                <a:satMod val="150000"/>
+                <a:shade val="98000"/>
+                <a:lumMod val="102000"/>
+              </a:schemeClr>
+            </a:gs>
+            <a:gs pos="50000">
+              <a:schemeClr val="phClr">
+                <a:tint val="98000"/>
+                <a:satMod val="130000"/>
+                <a:shade val="90000"/>
+                <a:lumMod val="103000"/>
+              </a:schemeClr>
+            </a:gs>
+            <a:gs pos="100000">
+              <a:schemeClr val="phClr">
+                <a:shade val="63000"/>
+                <a:satMod val="120000"/>
+              </a:schemeClr>
+            </a:gs>
+          </a:gsLst>
+          <a:lin ang="5400000" scaled="0"/>
+        </a:gradFill>
+      </a:bgFillStyleLst>
+    </a:fmtScheme>
+  </a:themeElements>
+  <a:objectDefaults/>
+  <a:extraClrSchemeLst/>
+  <a:extLst>
+    <a:ext uri="{05A4C25C-085E-4340-85A3-A5531E510DB2}">
+      <thm15:themeFamily xmlns:thm15="http://schemas.microsoft.com/office/thememl/2012/main" name="Office Theme" id="{62F939B6-93AF-4DB8-9C6B-D6C7DFDC589F}" vid="{4A3C46E8-61CC-4603-A589-7422A47A8E4A}"/>
+    </a:ext>
+  </a:extLst>
+</a:theme>
 </file>